--- a/smart home.pptx
+++ b/smart home.pptx
@@ -5842,13 +5842,15 @@
           </p:nvPr>
         </p:nvSpPr>
         <p:spPr>
-          <a:xfrm flipH="1" flipV="1">
-            <a:off x="8494712" y="4326732"/>
-            <a:ext cx="150523" cy="1138886"/>
+          <a:xfrm rot="10800000" flipH="1" flipV="1">
+            <a:off x="-401781" y="6252512"/>
+            <a:ext cx="8472053" cy="2746013"/>
           </a:xfrm>
         </p:spPr>
         <p:txBody>
-          <a:bodyPr/>
+          <a:bodyPr>
+            <a:normAutofit/>
+          </a:bodyPr>
           <a:lstStyle/>
           <a:p>
             <a:endParaRPr lang="en-US" dirty="0"/>
@@ -5866,9 +5868,9 @@
           </p:nvPr>
         </p:nvSpPr>
         <p:spPr>
-          <a:xfrm flipV="1">
-            <a:off x="8448992" y="4883726"/>
-            <a:ext cx="45719" cy="526472"/>
+          <a:xfrm rot="10800000" flipV="1">
+            <a:off x="415636" y="5608275"/>
+            <a:ext cx="5701146" cy="526472"/>
           </a:xfrm>
         </p:spPr>
         <p:txBody>
